--- a/SQIL для сред MuJoCo.pptx
+++ b/SQIL для сред MuJoCo.pptx
@@ -7,13 +7,14 @@
   <p:sldIdLst>
     <p:sldId id="271" r:id="rId2"/>
     <p:sldId id="286" r:id="rId3"/>
-    <p:sldId id="272" r:id="rId4"/>
-    <p:sldId id="287" r:id="rId5"/>
-    <p:sldId id="273" r:id="rId6"/>
-    <p:sldId id="274" r:id="rId7"/>
-    <p:sldId id="289" r:id="rId8"/>
-    <p:sldId id="288" r:id="rId9"/>
-    <p:sldId id="285" r:id="rId10"/>
+    <p:sldId id="290" r:id="rId4"/>
+    <p:sldId id="272" r:id="rId5"/>
+    <p:sldId id="287" r:id="rId6"/>
+    <p:sldId id="273" r:id="rId7"/>
+    <p:sldId id="274" r:id="rId8"/>
+    <p:sldId id="289" r:id="rId9"/>
+    <p:sldId id="288" r:id="rId10"/>
+    <p:sldId id="285" r:id="rId11"/>
   </p:sldIdLst>
   <p:sldSz cx="12192000" cy="6858000"/>
   <p:notesSz cx="6858000" cy="9144000"/>
@@ -112,6 +113,11 @@
       </a:defRPr>
     </a:lvl9pPr>
   </p:defaultTextStyle>
+  <p:extLst>
+    <p:ext uri="{EFAFB233-063F-42B5-8137-9DF3F51BA10A}">
+      <p15:sldGuideLst xmlns:p15="http://schemas.microsoft.com/office/powerpoint/2012/main"/>
+    </p:ext>
+  </p:extLst>
 </p:presentation>
 </file>
 
@@ -5211,6 +5217,66 @@
 </p:sld>
 </file>
 
+<file path=ppt/slides/slide10.xml><?xml version="1.0" encoding="utf-8"?>
+<p:sld xmlns:a="http://schemas.openxmlformats.org/drawingml/2006/main" xmlns:r="http://schemas.openxmlformats.org/officeDocument/2006/relationships" xmlns:p="http://schemas.openxmlformats.org/presentationml/2006/main">
+  <p:cSld>
+    <p:spTree>
+      <p:nvGrpSpPr>
+        <p:cNvPr id="1" name=""/>
+        <p:cNvGrpSpPr/>
+        <p:nvPr/>
+      </p:nvGrpSpPr>
+      <p:grpSpPr>
+        <a:xfrm>
+          <a:off x="0" y="0"/>
+          <a:ext cx="0" cy="0"/>
+          <a:chOff x="0" y="0"/>
+          <a:chExt cx="0" cy="0"/>
+        </a:xfrm>
+      </p:grpSpPr>
+      <p:pic>
+        <p:nvPicPr>
+          <p:cNvPr id="2" name="Рисунок 1">
+            <a:extLst>
+              <a:ext uri="{FF2B5EF4-FFF2-40B4-BE49-F238E27FC236}">
+                <a16:creationId xmlns:a16="http://schemas.microsoft.com/office/drawing/2014/main" id="{A27B8DDD-911E-4C76-AB82-C7836035A11C}"/>
+              </a:ext>
+            </a:extLst>
+          </p:cNvPr>
+          <p:cNvPicPr>
+            <a:picLocks noChangeAspect="1"/>
+          </p:cNvPicPr>
+          <p:nvPr/>
+        </p:nvPicPr>
+        <p:blipFill>
+          <a:blip r:embed="rId2"/>
+          <a:stretch>
+            <a:fillRect/>
+          </a:stretch>
+        </p:blipFill>
+        <p:spPr>
+          <a:xfrm>
+            <a:off x="5270444" y="2633193"/>
+            <a:ext cx="1651112" cy="1591614"/>
+          </a:xfrm>
+          <a:prstGeom prst="rect">
+            <a:avLst/>
+          </a:prstGeom>
+        </p:spPr>
+      </p:pic>
+    </p:spTree>
+    <p:extLst>
+      <p:ext uri="{BB962C8B-B14F-4D97-AF65-F5344CB8AC3E}">
+        <p14:creationId xmlns:p14="http://schemas.microsoft.com/office/powerpoint/2010/main" val="1282161965"/>
+      </p:ext>
+    </p:extLst>
+  </p:cSld>
+  <p:clrMapOvr>
+    <a:masterClrMapping/>
+  </p:clrMapOvr>
+</p:sld>
+</file>
+
 <file path=ppt/slides/slide2.xml><?xml version="1.0" encoding="utf-8"?>
 <p:sld xmlns:a="http://schemas.openxmlformats.org/drawingml/2006/main" xmlns:r="http://schemas.openxmlformats.org/officeDocument/2006/relationships" xmlns:p="http://schemas.openxmlformats.org/presentationml/2006/main">
   <p:cSld>
@@ -5423,6 +5489,249 @@
           <a:lstStyle/>
           <a:p>
             <a:r>
+              <a:rPr lang="ru-RU" b="1" dirty="0"/>
+              <a:t>Задачи</a:t>
+            </a:r>
+            <a:endParaRPr lang="ru-RU" dirty="0"/>
+          </a:p>
+        </p:txBody>
+      </p:sp>
+      <p:sp>
+        <p:nvSpPr>
+          <p:cNvPr id="4" name="Текст 3">
+            <a:extLst>
+              <a:ext uri="{FF2B5EF4-FFF2-40B4-BE49-F238E27FC236}">
+                <a16:creationId xmlns:a16="http://schemas.microsoft.com/office/drawing/2014/main" id="{53356540-7218-FF4B-B6BC-5BD291A372E2}"/>
+              </a:ext>
+            </a:extLst>
+          </p:cNvPr>
+          <p:cNvSpPr>
+            <a:spLocks noGrp="1"/>
+          </p:cNvSpPr>
+          <p:nvPr>
+            <p:ph type="body" sz="quarter" idx="12"/>
+          </p:nvPr>
+        </p:nvSpPr>
+        <p:spPr/>
+        <p:txBody>
+          <a:bodyPr>
+            <a:normAutofit/>
+          </a:bodyPr>
+          <a:lstStyle/>
+          <a:p>
+            <a:pPr marL="457200" indent="-457200">
+              <a:buAutoNum type="arabicParenR"/>
+            </a:pPr>
+            <a:r>
+              <a:rPr lang="ru-RU" sz="2400" dirty="0"/>
+              <a:t>Реализовать </a:t>
+            </a:r>
+            <a:r>
+              <a:rPr lang="en-US" sz="2400" dirty="0"/>
+              <a:t>SQIL </a:t>
+            </a:r>
+            <a:r>
+              <a:rPr lang="ru-RU" sz="2400" dirty="0"/>
+              <a:t>агента</a:t>
+            </a:r>
+          </a:p>
+          <a:p>
+            <a:pPr marL="457200" indent="-457200">
+              <a:buAutoNum type="arabicParenR"/>
+            </a:pPr>
+            <a:r>
+              <a:rPr lang="ru-RU" sz="2400" dirty="0"/>
+              <a:t>Реализовать </a:t>
+            </a:r>
+            <a:r>
+              <a:rPr lang="en-US" sz="2400" dirty="0"/>
+              <a:t>SCA </a:t>
+            </a:r>
+            <a:r>
+              <a:rPr lang="ru-RU" sz="2400" dirty="0"/>
+              <a:t>агента</a:t>
+            </a:r>
+          </a:p>
+          <a:p>
+            <a:pPr marL="457200" indent="-457200">
+              <a:buAutoNum type="arabicParenR"/>
+            </a:pPr>
+            <a:r>
+              <a:rPr lang="ru-RU" sz="2400" dirty="0"/>
+              <a:t>Сравнить результаты обучения агентов</a:t>
+            </a:r>
+          </a:p>
+        </p:txBody>
+      </p:sp>
+      <p:sp>
+        <p:nvSpPr>
+          <p:cNvPr id="5" name="Текст 4">
+            <a:extLst>
+              <a:ext uri="{FF2B5EF4-FFF2-40B4-BE49-F238E27FC236}">
+                <a16:creationId xmlns:a16="http://schemas.microsoft.com/office/drawing/2014/main" id="{3EB29DC1-D5D4-FB41-9E2D-AA4750D0CC8B}"/>
+              </a:ext>
+            </a:extLst>
+          </p:cNvPr>
+          <p:cNvSpPr>
+            <a:spLocks noGrp="1"/>
+          </p:cNvSpPr>
+          <p:nvPr>
+            <p:ph type="body" sz="quarter" idx="13"/>
+          </p:nvPr>
+        </p:nvSpPr>
+        <p:spPr/>
+        <p:txBody>
+          <a:bodyPr/>
+          <a:lstStyle/>
+          <a:p>
+            <a:r>
+              <a:rPr lang="ru-RU" dirty="0"/>
+              <a:t>Финансовые технологии и анализ данных</a:t>
+            </a:r>
+          </a:p>
+        </p:txBody>
+      </p:sp>
+      <p:sp>
+        <p:nvSpPr>
+          <p:cNvPr id="6" name="Текст 5">
+            <a:extLst>
+              <a:ext uri="{FF2B5EF4-FFF2-40B4-BE49-F238E27FC236}">
+                <a16:creationId xmlns:a16="http://schemas.microsoft.com/office/drawing/2014/main" id="{B5B6DD1A-BEFA-D842-9B7A-78D7BD1A5259}"/>
+              </a:ext>
+            </a:extLst>
+          </p:cNvPr>
+          <p:cNvSpPr>
+            <a:spLocks noGrp="1"/>
+          </p:cNvSpPr>
+          <p:nvPr>
+            <p:ph type="body" sz="quarter" idx="14"/>
+          </p:nvPr>
+        </p:nvSpPr>
+        <p:spPr/>
+        <p:txBody>
+          <a:bodyPr/>
+          <a:lstStyle/>
+          <a:p>
+            <a:r>
+              <a:rPr lang="en-US" dirty="0"/>
+              <a:t>SQIL </a:t>
+            </a:r>
+            <a:r>
+              <a:rPr lang="ru-RU" dirty="0"/>
+              <a:t>для сред </a:t>
+            </a:r>
+            <a:r>
+              <a:rPr lang="en-US" dirty="0" err="1"/>
+              <a:t>MujoCo</a:t>
+            </a:r>
+            <a:endParaRPr lang="ru-RU" dirty="0"/>
+          </a:p>
+        </p:txBody>
+      </p:sp>
+      <p:pic>
+        <p:nvPicPr>
+          <p:cNvPr id="2" name="Picture 2" descr="Picture background">
+            <a:extLst>
+              <a:ext uri="{FF2B5EF4-FFF2-40B4-BE49-F238E27FC236}">
+                <a16:creationId xmlns:a16="http://schemas.microsoft.com/office/drawing/2014/main" id="{EA1443E7-57B0-47DD-A228-7ED787FAF0FF}"/>
+              </a:ext>
+            </a:extLst>
+          </p:cNvPr>
+          <p:cNvPicPr>
+            <a:picLocks noChangeAspect="1" noChangeArrowheads="1"/>
+          </p:cNvPicPr>
+          <p:nvPr/>
+        </p:nvPicPr>
+        <p:blipFill>
+          <a:blip r:embed="rId2">
+            <a:extLst>
+              <a:ext uri="{28A0092B-C50C-407E-A947-70E740481C1C}">
+                <a14:useLocalDpi xmlns:a14="http://schemas.microsoft.com/office/drawing/2010/main" val="0"/>
+              </a:ext>
+            </a:extLst>
+          </a:blip>
+          <a:srcRect/>
+          <a:stretch>
+            <a:fillRect/>
+          </a:stretch>
+        </p:blipFill>
+        <p:spPr bwMode="auto">
+          <a:xfrm>
+            <a:off x="6434078" y="1651846"/>
+            <a:ext cx="5092386" cy="3827929"/>
+          </a:xfrm>
+          <a:prstGeom prst="rect">
+            <a:avLst/>
+          </a:prstGeom>
+          <a:noFill/>
+          <a:extLst>
+            <a:ext uri="{909E8E84-426E-40DD-AFC4-6F175D3DCCD1}">
+              <a14:hiddenFill xmlns:a14="http://schemas.microsoft.com/office/drawing/2010/main">
+                <a:solidFill>
+                  <a:srgbClr val="FFFFFF"/>
+                </a:solidFill>
+              </a14:hiddenFill>
+            </a:ext>
+          </a:extLst>
+        </p:spPr>
+      </p:pic>
+    </p:spTree>
+    <p:extLst>
+      <p:ext uri="{BB962C8B-B14F-4D97-AF65-F5344CB8AC3E}">
+        <p14:creationId xmlns:p14="http://schemas.microsoft.com/office/powerpoint/2010/main" val="1951316401"/>
+      </p:ext>
+    </p:extLst>
+  </p:cSld>
+  <p:clrMapOvr>
+    <a:masterClrMapping/>
+  </p:clrMapOvr>
+</p:sld>
+</file>
+
+<file path=ppt/slides/slide4.xml><?xml version="1.0" encoding="utf-8"?>
+<p:sld xmlns:a="http://schemas.openxmlformats.org/drawingml/2006/main" xmlns:r="http://schemas.openxmlformats.org/officeDocument/2006/relationships" xmlns:p="http://schemas.openxmlformats.org/presentationml/2006/main">
+  <p:cSld>
+    <p:spTree>
+      <p:nvGrpSpPr>
+        <p:cNvPr id="1" name=""/>
+        <p:cNvGrpSpPr/>
+        <p:nvPr/>
+      </p:nvGrpSpPr>
+      <p:grpSpPr>
+        <a:xfrm>
+          <a:off x="0" y="0"/>
+          <a:ext cx="0" cy="0"/>
+          <a:chOff x="0" y="0"/>
+          <a:chExt cx="0" cy="0"/>
+        </a:xfrm>
+      </p:grpSpPr>
+      <p:sp>
+        <p:nvSpPr>
+          <p:cNvPr id="3" name="Заголовок 2">
+            <a:extLst>
+              <a:ext uri="{FF2B5EF4-FFF2-40B4-BE49-F238E27FC236}">
+                <a16:creationId xmlns:a16="http://schemas.microsoft.com/office/drawing/2014/main" id="{E2EAF03B-EC26-1D47-94AC-C75942861D6C}"/>
+              </a:ext>
+            </a:extLst>
+          </p:cNvPr>
+          <p:cNvSpPr>
+            <a:spLocks noGrp="1"/>
+          </p:cNvSpPr>
+          <p:nvPr>
+            <p:ph type="title"/>
+          </p:nvPr>
+        </p:nvSpPr>
+        <p:spPr>
+          <a:xfrm>
+            <a:off x="585898" y="1447791"/>
+            <a:ext cx="5245560" cy="408110"/>
+          </a:xfrm>
+        </p:spPr>
+        <p:txBody>
+          <a:bodyPr/>
+          <a:lstStyle/>
+          <a:p>
+            <a:r>
               <a:rPr lang="en-US" b="1" dirty="0"/>
               <a:t>SQIL </a:t>
             </a:r>
@@ -5629,7 +5938,7 @@
 </p:sld>
 </file>
 
-<file path=ppt/slides/slide4.xml><?xml version="1.0" encoding="utf-8"?>
+<file path=ppt/slides/slide5.xml><?xml version="1.0" encoding="utf-8"?>
 <p:sld xmlns:a="http://schemas.openxmlformats.org/drawingml/2006/main" xmlns:r="http://schemas.openxmlformats.org/officeDocument/2006/relationships" xmlns:p="http://schemas.openxmlformats.org/presentationml/2006/main">
   <p:cSld>
     <p:spTree>
@@ -5850,7 +6159,7 @@
 </p:sld>
 </file>
 
-<file path=ppt/slides/slide5.xml><?xml version="1.0" encoding="utf-8"?>
+<file path=ppt/slides/slide6.xml><?xml version="1.0" encoding="utf-8"?>
 <p:sld xmlns:a="http://schemas.openxmlformats.org/drawingml/2006/main" xmlns:r="http://schemas.openxmlformats.org/officeDocument/2006/relationships" xmlns:p="http://schemas.openxmlformats.org/presentationml/2006/main">
   <p:cSld>
     <p:spTree>
@@ -6076,7 +6385,7 @@
 </p:sld>
 </file>
 
-<file path=ppt/slides/slide6.xml><?xml version="1.0" encoding="utf-8"?>
+<file path=ppt/slides/slide7.xml><?xml version="1.0" encoding="utf-8"?>
 <p:sld xmlns:a="http://schemas.openxmlformats.org/drawingml/2006/main" xmlns:r="http://schemas.openxmlformats.org/officeDocument/2006/relationships" xmlns:p="http://schemas.openxmlformats.org/presentationml/2006/main">
   <p:cSld>
     <p:spTree>
@@ -6302,7 +6611,7 @@
 </p:sld>
 </file>
 
-<file path=ppt/slides/slide7.xml><?xml version="1.0" encoding="utf-8"?>
+<file path=ppt/slides/slide8.xml><?xml version="1.0" encoding="utf-8"?>
 <p:sld xmlns:a="http://schemas.openxmlformats.org/drawingml/2006/main" xmlns:r="http://schemas.openxmlformats.org/officeDocument/2006/relationships" xmlns:p="http://schemas.openxmlformats.org/presentationml/2006/main">
   <p:cSld>
     <p:spTree>
@@ -6504,7 +6813,7 @@
 </p:sld>
 </file>
 
-<file path=ppt/slides/slide8.xml><?xml version="1.0" encoding="utf-8"?>
+<file path=ppt/slides/slide9.xml><?xml version="1.0" encoding="utf-8"?>
 <p:sld xmlns:a="http://schemas.openxmlformats.org/drawingml/2006/main" xmlns:r="http://schemas.openxmlformats.org/officeDocument/2006/relationships" xmlns:p="http://schemas.openxmlformats.org/presentationml/2006/main">
   <p:cSld>
     <p:spTree>
@@ -6744,66 +7053,6 @@
     <p:extLst>
       <p:ext uri="{BB962C8B-B14F-4D97-AF65-F5344CB8AC3E}">
         <p14:creationId xmlns:p14="http://schemas.microsoft.com/office/powerpoint/2010/main" val="3464478337"/>
-      </p:ext>
-    </p:extLst>
-  </p:cSld>
-  <p:clrMapOvr>
-    <a:masterClrMapping/>
-  </p:clrMapOvr>
-</p:sld>
-</file>
-
-<file path=ppt/slides/slide9.xml><?xml version="1.0" encoding="utf-8"?>
-<p:sld xmlns:a="http://schemas.openxmlformats.org/drawingml/2006/main" xmlns:r="http://schemas.openxmlformats.org/officeDocument/2006/relationships" xmlns:p="http://schemas.openxmlformats.org/presentationml/2006/main">
-  <p:cSld>
-    <p:spTree>
-      <p:nvGrpSpPr>
-        <p:cNvPr id="1" name=""/>
-        <p:cNvGrpSpPr/>
-        <p:nvPr/>
-      </p:nvGrpSpPr>
-      <p:grpSpPr>
-        <a:xfrm>
-          <a:off x="0" y="0"/>
-          <a:ext cx="0" cy="0"/>
-          <a:chOff x="0" y="0"/>
-          <a:chExt cx="0" cy="0"/>
-        </a:xfrm>
-      </p:grpSpPr>
-      <p:pic>
-        <p:nvPicPr>
-          <p:cNvPr id="2" name="Рисунок 1">
-            <a:extLst>
-              <a:ext uri="{FF2B5EF4-FFF2-40B4-BE49-F238E27FC236}">
-                <a16:creationId xmlns:a16="http://schemas.microsoft.com/office/drawing/2014/main" id="{A27B8DDD-911E-4C76-AB82-C7836035A11C}"/>
-              </a:ext>
-            </a:extLst>
-          </p:cNvPr>
-          <p:cNvPicPr>
-            <a:picLocks noChangeAspect="1"/>
-          </p:cNvPicPr>
-          <p:nvPr/>
-        </p:nvPicPr>
-        <p:blipFill>
-          <a:blip r:embed="rId2"/>
-          <a:stretch>
-            <a:fillRect/>
-          </a:stretch>
-        </p:blipFill>
-        <p:spPr>
-          <a:xfrm>
-            <a:off x="5270444" y="2633193"/>
-            <a:ext cx="1651112" cy="1591614"/>
-          </a:xfrm>
-          <a:prstGeom prst="rect">
-            <a:avLst/>
-          </a:prstGeom>
-        </p:spPr>
-      </p:pic>
-    </p:spTree>
-    <p:extLst>
-      <p:ext uri="{BB962C8B-B14F-4D97-AF65-F5344CB8AC3E}">
-        <p14:creationId xmlns:p14="http://schemas.microsoft.com/office/powerpoint/2010/main" val="1282161965"/>
       </p:ext>
     </p:extLst>
   </p:cSld>

--- a/SQIL для сред MuJoCo.pptx
+++ b/SQIL для сред MuJoCo.pptx
@@ -5545,7 +5545,7 @@
             </a:r>
             <a:r>
               <a:rPr lang="en-US" sz="2400" dirty="0"/>
-              <a:t>SCA </a:t>
+              <a:t>SAC </a:t>
             </a:r>
             <a:r>
               <a:rPr lang="ru-RU" sz="2400" dirty="0"/>
@@ -6204,7 +6204,7 @@
           <a:p>
             <a:r>
               <a:rPr lang="en-US" b="1" dirty="0"/>
-              <a:t>SCA </a:t>
+              <a:t>SAC </a:t>
             </a:r>
             <a:r>
               <a:rPr lang="ru-RU" b="1" dirty="0"/>
@@ -6233,13 +6233,13 @@
         <p:spPr/>
         <p:txBody>
           <a:bodyPr>
-            <a:normAutofit lnSpcReduction="10000"/>
+            <a:normAutofit/>
           </a:bodyPr>
           <a:lstStyle/>
           <a:p>
             <a:r>
               <a:rPr lang="ru-RU" sz="2200" dirty="0"/>
-              <a:t>SCA (</a:t>
+              <a:t>SAC (</a:t>
             </a:r>
             <a:r>
               <a:rPr lang="ru-RU" sz="2200" dirty="0" err="1"/>
@@ -6255,7 +6255,7 @@
             </a:r>
             <a:r>
               <a:rPr lang="ru-RU" sz="2200" dirty="0"/>
-              <a:t>) агент — это алгоритм обучения с подкреплением, который использует подходы, основанные на политике, и сочетает в себе элементы как обучения с подкреплением, так и максимизации энтропии. SCA является одним из современных алгоритмов, который хорошо подходит для задач с непрерывными действиями и сложными средами.</a:t>
+              <a:t>) — это один из современных алгоритмов обучения с подкреплением, который специально разработан для работы с непрерывными действиями. Он сочетает в себе элементы политики и ценности, что позволяет ему эффективно обучаться в сложных средах. Вот основные характеристики и принципы работы SAC:</a:t>
             </a:r>
           </a:p>
         </p:txBody>
